--- a/papers/report 11 25.pptx
+++ b/papers/report 11 25.pptx
@@ -20,8 +20,13 @@
     <p:sldId id="298" r:id="rId14"/>
     <p:sldId id="294" r:id="rId15"/>
     <p:sldId id="295" r:id="rId16"/>
-    <p:sldId id="296" r:id="rId17"/>
-    <p:sldId id="274" r:id="rId18"/>
+    <p:sldId id="305" r:id="rId17"/>
+    <p:sldId id="303" r:id="rId18"/>
+    <p:sldId id="308" r:id="rId19"/>
+    <p:sldId id="307" r:id="rId20"/>
+    <p:sldId id="304" r:id="rId21"/>
+    <p:sldId id="302" r:id="rId22"/>
+    <p:sldId id="274" r:id="rId23"/>
   </p:sldIdLst>
   <p:sldSz cx="9144000" cy="6858000" type="screen4x3"/>
   <p:notesSz cx="6858000" cy="9144000"/>
@@ -209,7 +214,6 @@
           </a:p>
         </c:rich>
       </c:tx>
-      <c:layout/>
       <c:overlay val="0"/>
       <c:spPr>
         <a:noFill/>
@@ -461,11 +465,11 @@
           <c:showBubbleSize val="0"/>
         </c:dLbls>
         <c:gapWidth val="150"/>
-        <c:axId val="-491380256"/>
-        <c:axId val="-491377536"/>
+        <c:axId val="-626636688"/>
+        <c:axId val="-626623088"/>
       </c:barChart>
       <c:catAx>
-        <c:axId val="-491380256"/>
+        <c:axId val="-626636688"/>
         <c:scaling>
           <c:orientation val="minMax"/>
         </c:scaling>
@@ -522,7 +526,7 @@
             <a:endParaRPr lang="en-US"/>
           </a:p>
         </c:txPr>
-        <c:crossAx val="-491377536"/>
+        <c:crossAx val="-626623088"/>
         <c:crosses val="autoZero"/>
         <c:auto val="1"/>
         <c:lblAlgn val="ctr"/>
@@ -530,7 +534,7 @@
         <c:noMultiLvlLbl val="0"/>
       </c:catAx>
       <c:valAx>
-        <c:axId val="-491377536"/>
+        <c:axId val="-626623088"/>
         <c:scaling>
           <c:orientation val="minMax"/>
         </c:scaling>
@@ -587,7 +591,7 @@
             <a:endParaRPr lang="en-US"/>
           </a:p>
         </c:txPr>
-        <c:crossAx val="-491380256"/>
+        <c:crossAx val="-626636688"/>
         <c:crosses val="autoZero"/>
         <c:crossBetween val="between"/>
       </c:valAx>
@@ -918,8 +922,8 @@
         </c:dLbls>
         <c:gapWidth val="219"/>
         <c:overlap val="-27"/>
-        <c:axId val="-832661664"/>
-        <c:axId val="-832664928"/>
+        <c:axId val="-626636144"/>
+        <c:axId val="-626635600"/>
         <c:extLst>
           <c:ext xmlns:c15="http://schemas.microsoft.com/office/drawing/2012/chart" uri="{02D57815-91ED-43cb-92C2-25804820EDAC}">
             <c15:filteredBarSeries>
@@ -1140,7 +1144,7 @@
         </c:extLst>
       </c:barChart>
       <c:catAx>
-        <c:axId val="-832661664"/>
+        <c:axId val="-626636144"/>
         <c:scaling>
           <c:orientation val="minMax"/>
         </c:scaling>
@@ -1183,7 +1187,7 @@
             <a:endParaRPr lang="en-US"/>
           </a:p>
         </c:txPr>
-        <c:crossAx val="-832664928"/>
+        <c:crossAx val="-626635600"/>
         <c:crosses val="autoZero"/>
         <c:auto val="1"/>
         <c:lblAlgn val="ctr"/>
@@ -1191,7 +1195,7 @@
         <c:noMultiLvlLbl val="0"/>
       </c:catAx>
       <c:valAx>
-        <c:axId val="-832664928"/>
+        <c:axId val="-626635600"/>
         <c:scaling>
           <c:orientation val="minMax"/>
         </c:scaling>
@@ -1242,7 +1246,7 @@
             <a:endParaRPr lang="en-US"/>
           </a:p>
         </c:txPr>
-        <c:crossAx val="-832661664"/>
+        <c:crossAx val="-626636144"/>
         <c:crosses val="autoZero"/>
         <c:crossBetween val="between"/>
       </c:valAx>
@@ -1568,11 +1572,11 @@
         </c:dLbls>
         <c:gapWidth val="219"/>
         <c:overlap val="-27"/>
-        <c:axId val="-491373728"/>
-        <c:axId val="-491379712"/>
+        <c:axId val="-652957696"/>
+        <c:axId val="-652954432"/>
       </c:barChart>
       <c:catAx>
-        <c:axId val="-491373728"/>
+        <c:axId val="-652957696"/>
         <c:scaling>
           <c:orientation val="minMax"/>
         </c:scaling>
@@ -1615,7 +1619,7 @@
             <a:endParaRPr lang="en-US"/>
           </a:p>
         </c:txPr>
-        <c:crossAx val="-491379712"/>
+        <c:crossAx val="-652954432"/>
         <c:crosses val="autoZero"/>
         <c:auto val="1"/>
         <c:lblAlgn val="ctr"/>
@@ -1623,7 +1627,7 @@
         <c:noMultiLvlLbl val="0"/>
       </c:catAx>
       <c:valAx>
-        <c:axId val="-491379712"/>
+        <c:axId val="-652954432"/>
         <c:scaling>
           <c:orientation val="minMax"/>
         </c:scaling>
@@ -1674,7 +1678,7 @@
             <a:endParaRPr lang="en-US"/>
           </a:p>
         </c:txPr>
-        <c:crossAx val="-491373728"/>
+        <c:crossAx val="-652957696"/>
         <c:crosses val="autoZero"/>
         <c:crossBetween val="between"/>
       </c:valAx>
@@ -5705,7 +5709,7 @@
         <p:nvSpPr>
           <p:cNvPr id="2052" name="Text Box 7"/>
           <p:cNvSpPr txBox="1">
-            <a:spLocks noChangeArrowheads="1"/>
+            <a:spLocks noGrp="1" noChangeArrowheads="1"/>
           </p:cNvSpPr>
           <p:nvPr>
             <p:ph type="subTitle" idx="1"/>
@@ -5758,17 +5762,7 @@
                 <a:latin typeface="Adobe Garamond Pro" charset="0"/>
                 <a:ea typeface="宋体" panose="02010600030101010101" pitchFamily="2" charset="-122"/>
               </a:rPr>
-              <a:t>12/2 </a:t>
-            </a:r>
-            <a:r>
-              <a:rPr lang="en-US" altLang="zh-CN" sz="3600" dirty="0" smtClean="0">
-                <a:solidFill>
-                  <a:schemeClr val="bg1"/>
-                </a:solidFill>
-                <a:latin typeface="Adobe Garamond Pro" charset="0"/>
-                <a:ea typeface="宋体" panose="02010600030101010101" pitchFamily="2" charset="-122"/>
-              </a:rPr>
-              <a:t>Report</a:t>
+              <a:t>12/2 Report</a:t>
             </a:r>
           </a:p>
           <a:p>
@@ -10604,6 +10598,64 @@
           <a:chExt cx="0" cy="0"/>
         </a:xfrm>
       </p:grpSpPr>
+      <p:sp>
+        <p:nvSpPr>
+          <p:cNvPr id="2" name="文本框 1"/>
+          <p:cNvSpPr txBox="1"/>
+          <p:nvPr/>
+        </p:nvSpPr>
+        <p:spPr>
+          <a:xfrm>
+            <a:off x="1259632" y="908720"/>
+            <a:ext cx="5184576" cy="830997"/>
+          </a:xfrm>
+          <a:prstGeom prst="rect">
+            <a:avLst/>
+          </a:prstGeom>
+          <a:noFill/>
+        </p:spPr>
+        <p:txBody>
+          <a:bodyPr wrap="square" rtlCol="0">
+            <a:spAutoFit/>
+          </a:bodyPr>
+          <a:lstStyle/>
+          <a:p>
+            <a:r>
+              <a:rPr lang="en-US" dirty="0"/>
+              <a:t>why we need to remove outliers before learning distance </a:t>
+            </a:r>
+            <a:r>
+              <a:rPr lang="en-US" dirty="0" smtClean="0"/>
+              <a:t>measure?</a:t>
+            </a:r>
+            <a:endParaRPr lang="en-US" dirty="0"/>
+          </a:p>
+        </p:txBody>
+      </p:sp>
+      <p:pic>
+        <p:nvPicPr>
+          <p:cNvPr id="3" name="图片 2"/>
+          <p:cNvPicPr>
+            <a:picLocks noChangeAspect="1"/>
+          </p:cNvPicPr>
+          <p:nvPr/>
+        </p:nvPicPr>
+        <p:blipFill>
+          <a:blip r:embed="rId2"/>
+          <a:stretch>
+            <a:fillRect/>
+          </a:stretch>
+        </p:blipFill>
+        <p:spPr>
+          <a:xfrm>
+            <a:off x="1763688" y="2132856"/>
+            <a:ext cx="4772025" cy="2647950"/>
+          </a:xfrm>
+          <a:prstGeom prst="rect">
+            <a:avLst/>
+          </a:prstGeom>
+        </p:spPr>
+      </p:pic>
     </p:spTree>
     <p:extLst>
       <p:ext uri="{BB962C8B-B14F-4D97-AF65-F5344CB8AC3E}">
@@ -10641,6 +10693,84 @@
           <a:chExt cx="0" cy="0"/>
         </a:xfrm>
       </p:grpSpPr>
+      <p:pic>
+        <p:nvPicPr>
+          <p:cNvPr id="3" name="图片 2"/>
+          <p:cNvPicPr>
+            <a:picLocks noChangeAspect="1"/>
+          </p:cNvPicPr>
+          <p:nvPr/>
+        </p:nvPicPr>
+        <p:blipFill>
+          <a:blip r:embed="rId2"/>
+          <a:stretch>
+            <a:fillRect/>
+          </a:stretch>
+        </p:blipFill>
+        <p:spPr>
+          <a:xfrm>
+            <a:off x="6300192" y="1844824"/>
+            <a:ext cx="1562100" cy="3028950"/>
+          </a:xfrm>
+          <a:prstGeom prst="rect">
+            <a:avLst/>
+          </a:prstGeom>
+        </p:spPr>
+      </p:pic>
+      <p:pic>
+        <p:nvPicPr>
+          <p:cNvPr id="4" name="图片 3"/>
+          <p:cNvPicPr>
+            <a:picLocks noChangeAspect="1"/>
+          </p:cNvPicPr>
+          <p:nvPr/>
+        </p:nvPicPr>
+        <p:blipFill>
+          <a:blip r:embed="rId3"/>
+          <a:stretch>
+            <a:fillRect/>
+          </a:stretch>
+        </p:blipFill>
+        <p:spPr>
+          <a:xfrm>
+            <a:off x="755576" y="1700808"/>
+            <a:ext cx="5314950" cy="3057525"/>
+          </a:xfrm>
+          <a:prstGeom prst="rect">
+            <a:avLst/>
+          </a:prstGeom>
+        </p:spPr>
+      </p:pic>
+      <p:sp>
+        <p:nvSpPr>
+          <p:cNvPr id="6" name="文本框 5"/>
+          <p:cNvSpPr txBox="1"/>
+          <p:nvPr/>
+        </p:nvSpPr>
+        <p:spPr>
+          <a:xfrm>
+            <a:off x="2051720" y="764704"/>
+            <a:ext cx="5112568" cy="461665"/>
+          </a:xfrm>
+          <a:prstGeom prst="rect">
+            <a:avLst/>
+          </a:prstGeom>
+          <a:noFill/>
+        </p:spPr>
+        <p:txBody>
+          <a:bodyPr wrap="square" rtlCol="0">
+            <a:spAutoFit/>
+          </a:bodyPr>
+          <a:lstStyle/>
+          <a:p>
+            <a:r>
+              <a:rPr lang="en-US" dirty="0" smtClean="0"/>
+              <a:t>Solve Max Epsilon LP with 1 outlier</a:t>
+            </a:r>
+            <a:endParaRPr lang="en-US" dirty="0"/>
+          </a:p>
+        </p:txBody>
+      </p:sp>
     </p:spTree>
     <p:extLst>
       <p:ext uri="{BB962C8B-B14F-4D97-AF65-F5344CB8AC3E}">
@@ -10678,10 +10808,88 @@
           <a:chExt cx="0" cy="0"/>
         </a:xfrm>
       </p:grpSpPr>
+      <p:sp>
+        <p:nvSpPr>
+          <p:cNvPr id="6" name="文本框 5"/>
+          <p:cNvSpPr txBox="1"/>
+          <p:nvPr/>
+        </p:nvSpPr>
+        <p:spPr>
+          <a:xfrm>
+            <a:off x="2051720" y="764704"/>
+            <a:ext cx="5112568" cy="461665"/>
+          </a:xfrm>
+          <a:prstGeom prst="rect">
+            <a:avLst/>
+          </a:prstGeom>
+          <a:noFill/>
+        </p:spPr>
+        <p:txBody>
+          <a:bodyPr wrap="square" rtlCol="0">
+            <a:spAutoFit/>
+          </a:bodyPr>
+          <a:lstStyle/>
+          <a:p>
+            <a:r>
+              <a:rPr lang="en-US" dirty="0" smtClean="0"/>
+              <a:t>Solve Max Epsilon LP with 1 outlier</a:t>
+            </a:r>
+            <a:endParaRPr lang="en-US" dirty="0"/>
+          </a:p>
+        </p:txBody>
+      </p:sp>
+      <p:pic>
+        <p:nvPicPr>
+          <p:cNvPr id="2" name="图片 1"/>
+          <p:cNvPicPr>
+            <a:picLocks noChangeAspect="1"/>
+          </p:cNvPicPr>
+          <p:nvPr/>
+        </p:nvPicPr>
+        <p:blipFill>
+          <a:blip r:embed="rId2"/>
+          <a:stretch>
+            <a:fillRect/>
+          </a:stretch>
+        </p:blipFill>
+        <p:spPr>
+          <a:xfrm>
+            <a:off x="899592" y="2060848"/>
+            <a:ext cx="4838700" cy="2847975"/>
+          </a:xfrm>
+          <a:prstGeom prst="rect">
+            <a:avLst/>
+          </a:prstGeom>
+        </p:spPr>
+      </p:pic>
+      <p:pic>
+        <p:nvPicPr>
+          <p:cNvPr id="5" name="图片 4"/>
+          <p:cNvPicPr>
+            <a:picLocks noChangeAspect="1"/>
+          </p:cNvPicPr>
+          <p:nvPr/>
+        </p:nvPicPr>
+        <p:blipFill>
+          <a:blip r:embed="rId3"/>
+          <a:stretch>
+            <a:fillRect/>
+          </a:stretch>
+        </p:blipFill>
+        <p:spPr>
+          <a:xfrm>
+            <a:off x="5472557" y="1916832"/>
+            <a:ext cx="3383462" cy="2780928"/>
+          </a:xfrm>
+          <a:prstGeom prst="rect">
+            <a:avLst/>
+          </a:prstGeom>
+        </p:spPr>
+      </p:pic>
     </p:spTree>
     <p:extLst>
       <p:ext uri="{BB962C8B-B14F-4D97-AF65-F5344CB8AC3E}">
-        <p14:creationId xmlns:p14="http://schemas.microsoft.com/office/powerpoint/2010/main" val="191164536"/>
+        <p14:creationId xmlns:p14="http://schemas.microsoft.com/office/powerpoint/2010/main" val="656010039"/>
       </p:ext>
     </p:extLst>
   </p:cSld>
@@ -10699,6 +10907,721 @@
 </file>
 
 <file path=ppt/slides/slide17.xml><?xml version="1.0" encoding="utf-8"?>
+<p:sld xmlns:a="http://schemas.openxmlformats.org/drawingml/2006/main" xmlns:r="http://schemas.openxmlformats.org/officeDocument/2006/relationships" xmlns:p="http://schemas.openxmlformats.org/presentationml/2006/main">
+  <p:cSld>
+    <p:spTree>
+      <p:nvGrpSpPr>
+        <p:cNvPr id="1" name=""/>
+        <p:cNvGrpSpPr/>
+        <p:nvPr/>
+      </p:nvGrpSpPr>
+      <p:grpSpPr>
+        <a:xfrm>
+          <a:off x="0" y="0"/>
+          <a:ext cx="0" cy="0"/>
+          <a:chOff x="0" y="0"/>
+          <a:chExt cx="0" cy="0"/>
+        </a:xfrm>
+      </p:grpSpPr>
+      <p:sp>
+        <p:nvSpPr>
+          <p:cNvPr id="6" name="文本框 5"/>
+          <p:cNvSpPr txBox="1"/>
+          <p:nvPr/>
+        </p:nvSpPr>
+        <p:spPr>
+          <a:xfrm>
+            <a:off x="2051720" y="764704"/>
+            <a:ext cx="5112568" cy="461665"/>
+          </a:xfrm>
+          <a:prstGeom prst="rect">
+            <a:avLst/>
+          </a:prstGeom>
+          <a:noFill/>
+        </p:spPr>
+        <p:txBody>
+          <a:bodyPr wrap="square" rtlCol="0">
+            <a:spAutoFit/>
+          </a:bodyPr>
+          <a:lstStyle/>
+          <a:p>
+            <a:r>
+              <a:rPr lang="en-US" dirty="0" smtClean="0"/>
+              <a:t>Solve Max Epsilon LP with 1 outlier</a:t>
+            </a:r>
+            <a:endParaRPr lang="en-US" dirty="0"/>
+          </a:p>
+        </p:txBody>
+      </p:sp>
+      <p:pic>
+        <p:nvPicPr>
+          <p:cNvPr id="2" name="图片 1"/>
+          <p:cNvPicPr>
+            <a:picLocks noChangeAspect="1"/>
+          </p:cNvPicPr>
+          <p:nvPr/>
+        </p:nvPicPr>
+        <p:blipFill>
+          <a:blip r:embed="rId2"/>
+          <a:stretch>
+            <a:fillRect/>
+          </a:stretch>
+        </p:blipFill>
+        <p:spPr>
+          <a:xfrm>
+            <a:off x="683568" y="1725761"/>
+            <a:ext cx="5419725" cy="3267075"/>
+          </a:xfrm>
+          <a:prstGeom prst="rect">
+            <a:avLst/>
+          </a:prstGeom>
+        </p:spPr>
+      </p:pic>
+      <p:pic>
+        <p:nvPicPr>
+          <p:cNvPr id="5" name="图片 4"/>
+          <p:cNvPicPr>
+            <a:picLocks noChangeAspect="1"/>
+          </p:cNvPicPr>
+          <p:nvPr/>
+        </p:nvPicPr>
+        <p:blipFill>
+          <a:blip r:embed="rId3"/>
+          <a:stretch>
+            <a:fillRect/>
+          </a:stretch>
+        </p:blipFill>
+        <p:spPr>
+          <a:xfrm>
+            <a:off x="6588224" y="1844824"/>
+            <a:ext cx="1895475" cy="3228975"/>
+          </a:xfrm>
+          <a:prstGeom prst="rect">
+            <a:avLst/>
+          </a:prstGeom>
+        </p:spPr>
+      </p:pic>
+    </p:spTree>
+    <p:extLst>
+      <p:ext uri="{BB962C8B-B14F-4D97-AF65-F5344CB8AC3E}">
+        <p14:creationId xmlns:p14="http://schemas.microsoft.com/office/powerpoint/2010/main" val="3275258136"/>
+      </p:ext>
+    </p:extLst>
+  </p:cSld>
+  <p:clrMapOvr>
+    <a:masterClrMapping/>
+  </p:clrMapOvr>
+  <p:timing>
+    <p:tnLst>
+      <p:par>
+        <p:cTn id="1" dur="indefinite" restart="never" nodeType="tmRoot"/>
+      </p:par>
+    </p:tnLst>
+  </p:timing>
+</p:sld>
+</file>
+
+<file path=ppt/slides/slide18.xml><?xml version="1.0" encoding="utf-8"?>
+<p:sld xmlns:a="http://schemas.openxmlformats.org/drawingml/2006/main" xmlns:r="http://schemas.openxmlformats.org/officeDocument/2006/relationships" xmlns:p="http://schemas.openxmlformats.org/presentationml/2006/main">
+  <p:cSld>
+    <p:spTree>
+      <p:nvGrpSpPr>
+        <p:cNvPr id="1" name=""/>
+        <p:cNvGrpSpPr/>
+        <p:nvPr/>
+      </p:nvGrpSpPr>
+      <p:grpSpPr>
+        <a:xfrm>
+          <a:off x="0" y="0"/>
+          <a:ext cx="0" cy="0"/>
+          <a:chOff x="0" y="0"/>
+          <a:chExt cx="0" cy="0"/>
+        </a:xfrm>
+      </p:grpSpPr>
+      <p:sp>
+        <p:nvSpPr>
+          <p:cNvPr id="6" name="文本框 5"/>
+          <p:cNvSpPr txBox="1"/>
+          <p:nvPr/>
+        </p:nvSpPr>
+        <p:spPr>
+          <a:xfrm>
+            <a:off x="2051720" y="764704"/>
+            <a:ext cx="5112568" cy="461665"/>
+          </a:xfrm>
+          <a:prstGeom prst="rect">
+            <a:avLst/>
+          </a:prstGeom>
+          <a:noFill/>
+        </p:spPr>
+        <p:txBody>
+          <a:bodyPr wrap="square" rtlCol="0">
+            <a:spAutoFit/>
+          </a:bodyPr>
+          <a:lstStyle/>
+          <a:p>
+            <a:r>
+              <a:rPr lang="en-US" dirty="0" smtClean="0"/>
+              <a:t>Solve Max Epsilon LP with 1 outlier</a:t>
+            </a:r>
+            <a:endParaRPr lang="en-US" dirty="0"/>
+          </a:p>
+        </p:txBody>
+      </p:sp>
+      <p:pic>
+        <p:nvPicPr>
+          <p:cNvPr id="3" name="图片 2"/>
+          <p:cNvPicPr>
+            <a:picLocks noChangeAspect="1"/>
+          </p:cNvPicPr>
+          <p:nvPr/>
+        </p:nvPicPr>
+        <p:blipFill>
+          <a:blip r:embed="rId2"/>
+          <a:stretch>
+            <a:fillRect/>
+          </a:stretch>
+        </p:blipFill>
+        <p:spPr>
+          <a:xfrm>
+            <a:off x="1091785" y="2000091"/>
+            <a:ext cx="4348336" cy="2717710"/>
+          </a:xfrm>
+          <a:prstGeom prst="rect">
+            <a:avLst/>
+          </a:prstGeom>
+        </p:spPr>
+      </p:pic>
+      <p:pic>
+        <p:nvPicPr>
+          <p:cNvPr id="4" name="图片 3"/>
+          <p:cNvPicPr>
+            <a:picLocks noChangeAspect="1"/>
+          </p:cNvPicPr>
+          <p:nvPr/>
+        </p:nvPicPr>
+        <p:blipFill>
+          <a:blip r:embed="rId3"/>
+          <a:stretch>
+            <a:fillRect/>
+          </a:stretch>
+        </p:blipFill>
+        <p:spPr>
+          <a:xfrm>
+            <a:off x="6588224" y="1701596"/>
+            <a:ext cx="1733550" cy="3314700"/>
+          </a:xfrm>
+          <a:prstGeom prst="rect">
+            <a:avLst/>
+          </a:prstGeom>
+        </p:spPr>
+      </p:pic>
+    </p:spTree>
+    <p:extLst>
+      <p:ext uri="{BB962C8B-B14F-4D97-AF65-F5344CB8AC3E}">
+        <p14:creationId xmlns:p14="http://schemas.microsoft.com/office/powerpoint/2010/main" val="2156185891"/>
+      </p:ext>
+    </p:extLst>
+  </p:cSld>
+  <p:clrMapOvr>
+    <a:masterClrMapping/>
+  </p:clrMapOvr>
+  <p:timing>
+    <p:tnLst>
+      <p:par>
+        <p:cTn id="1" dur="indefinite" restart="never" nodeType="tmRoot"/>
+      </p:par>
+    </p:tnLst>
+  </p:timing>
+</p:sld>
+</file>
+
+<file path=ppt/slides/slide19.xml><?xml version="1.0" encoding="utf-8"?>
+<p:sld xmlns:a="http://schemas.openxmlformats.org/drawingml/2006/main" xmlns:r="http://schemas.openxmlformats.org/officeDocument/2006/relationships" xmlns:p="http://schemas.openxmlformats.org/presentationml/2006/main">
+  <p:cSld>
+    <p:spTree>
+      <p:nvGrpSpPr>
+        <p:cNvPr id="1" name=""/>
+        <p:cNvGrpSpPr/>
+        <p:nvPr/>
+      </p:nvGrpSpPr>
+      <p:grpSpPr>
+        <a:xfrm>
+          <a:off x="0" y="0"/>
+          <a:ext cx="0" cy="0"/>
+          <a:chOff x="0" y="0"/>
+          <a:chExt cx="0" cy="0"/>
+        </a:xfrm>
+      </p:grpSpPr>
+      <p:sp>
+        <p:nvSpPr>
+          <p:cNvPr id="6" name="文本框 5"/>
+          <p:cNvSpPr txBox="1"/>
+          <p:nvPr/>
+        </p:nvSpPr>
+        <p:spPr>
+          <a:xfrm>
+            <a:off x="2051720" y="764704"/>
+            <a:ext cx="5112568" cy="461665"/>
+          </a:xfrm>
+          <a:prstGeom prst="rect">
+            <a:avLst/>
+          </a:prstGeom>
+          <a:noFill/>
+        </p:spPr>
+        <p:txBody>
+          <a:bodyPr wrap="square" rtlCol="0">
+            <a:spAutoFit/>
+          </a:bodyPr>
+          <a:lstStyle/>
+          <a:p>
+            <a:r>
+              <a:rPr lang="en-US" dirty="0" smtClean="0"/>
+              <a:t>Solve Max Epsilon LP with 1 outlier</a:t>
+            </a:r>
+            <a:endParaRPr lang="en-US" dirty="0"/>
+          </a:p>
+        </p:txBody>
+      </p:sp>
+      <p:pic>
+        <p:nvPicPr>
+          <p:cNvPr id="3" name="图片 2"/>
+          <p:cNvPicPr>
+            <a:picLocks noChangeAspect="1"/>
+          </p:cNvPicPr>
+          <p:nvPr/>
+        </p:nvPicPr>
+        <p:blipFill>
+          <a:blip r:embed="rId2"/>
+          <a:stretch>
+            <a:fillRect/>
+          </a:stretch>
+        </p:blipFill>
+        <p:spPr>
+          <a:xfrm>
+            <a:off x="755576" y="1772816"/>
+            <a:ext cx="5248275" cy="3286125"/>
+          </a:xfrm>
+          <a:prstGeom prst="rect">
+            <a:avLst/>
+          </a:prstGeom>
+        </p:spPr>
+      </p:pic>
+      <p:pic>
+        <p:nvPicPr>
+          <p:cNvPr id="4" name="图片 3"/>
+          <p:cNvPicPr>
+            <a:picLocks noChangeAspect="1"/>
+          </p:cNvPicPr>
+          <p:nvPr/>
+        </p:nvPicPr>
+        <p:blipFill>
+          <a:blip r:embed="rId3"/>
+          <a:stretch>
+            <a:fillRect/>
+          </a:stretch>
+        </p:blipFill>
+        <p:spPr>
+          <a:xfrm>
+            <a:off x="6003851" y="2492896"/>
+            <a:ext cx="2544740" cy="1654324"/>
+          </a:xfrm>
+          <a:prstGeom prst="rect">
+            <a:avLst/>
+          </a:prstGeom>
+        </p:spPr>
+      </p:pic>
+    </p:spTree>
+    <p:extLst>
+      <p:ext uri="{BB962C8B-B14F-4D97-AF65-F5344CB8AC3E}">
+        <p14:creationId xmlns:p14="http://schemas.microsoft.com/office/powerpoint/2010/main" val="3602669895"/>
+      </p:ext>
+    </p:extLst>
+  </p:cSld>
+  <p:clrMapOvr>
+    <a:masterClrMapping/>
+  </p:clrMapOvr>
+  <p:timing>
+    <p:tnLst>
+      <p:par>
+        <p:cTn id="1" dur="indefinite" restart="never" nodeType="tmRoot"/>
+      </p:par>
+    </p:tnLst>
+  </p:timing>
+</p:sld>
+</file>
+
+<file path=ppt/slides/slide2.xml><?xml version="1.0" encoding="utf-8"?>
+<p:sld xmlns:a="http://schemas.openxmlformats.org/drawingml/2006/main" xmlns:r="http://schemas.openxmlformats.org/officeDocument/2006/relationships" xmlns:p="http://schemas.openxmlformats.org/presentationml/2006/main">
+  <p:cSld>
+    <p:spTree>
+      <p:nvGrpSpPr>
+        <p:cNvPr id="1" name=""/>
+        <p:cNvGrpSpPr/>
+        <p:nvPr/>
+      </p:nvGrpSpPr>
+      <p:grpSpPr>
+        <a:xfrm>
+          <a:off x="0" y="0"/>
+          <a:ext cx="0" cy="0"/>
+          <a:chOff x="0" y="0"/>
+          <a:chExt cx="0" cy="0"/>
+        </a:xfrm>
+      </p:grpSpPr>
+      <p:pic>
+        <p:nvPicPr>
+          <p:cNvPr id="3074" name="图片 2"/>
+          <p:cNvPicPr>
+            <a:picLocks noChangeAspect="1"/>
+          </p:cNvPicPr>
+          <p:nvPr/>
+        </p:nvPicPr>
+        <p:blipFill>
+          <a:blip r:embed="rId2">
+            <a:extLst>
+              <a:ext uri="{28A0092B-C50C-407E-A947-70E740481C1C}">
+                <a14:useLocalDpi xmlns:a14="http://schemas.microsoft.com/office/drawing/2010/main" val="0"/>
+              </a:ext>
+            </a:extLst>
+          </a:blip>
+          <a:srcRect/>
+          <a:stretch>
+            <a:fillRect/>
+          </a:stretch>
+        </p:blipFill>
+        <p:spPr bwMode="auto">
+          <a:xfrm>
+            <a:off x="962025" y="1352550"/>
+            <a:ext cx="7219950" cy="4152900"/>
+          </a:xfrm>
+          <a:prstGeom prst="rect">
+            <a:avLst/>
+          </a:prstGeom>
+          <a:noFill/>
+          <a:ln>
+            <a:noFill/>
+          </a:ln>
+          <a:extLst>
+            <a:ext uri="{909E8E84-426E-40DD-AFC4-6F175D3DCCD1}">
+              <a14:hiddenFill xmlns:a14="http://schemas.microsoft.com/office/drawing/2010/main">
+                <a:solidFill>
+                  <a:srgbClr val="FFFFFF"/>
+                </a:solidFill>
+              </a14:hiddenFill>
+            </a:ext>
+            <a:ext uri="{91240B29-F687-4F45-9708-019B960494DF}">
+              <a14:hiddenLine xmlns:a14="http://schemas.microsoft.com/office/drawing/2010/main" w="9525">
+                <a:solidFill>
+                  <a:srgbClr val="000000"/>
+                </a:solidFill>
+                <a:miter lim="800000"/>
+                <a:headEnd/>
+                <a:tailEnd/>
+              </a14:hiddenLine>
+            </a:ext>
+          </a:extLst>
+        </p:spPr>
+      </p:pic>
+      <p:sp>
+        <p:nvSpPr>
+          <p:cNvPr id="2" name="文本框 1"/>
+          <p:cNvSpPr txBox="1"/>
+          <p:nvPr/>
+        </p:nvSpPr>
+        <p:spPr>
+          <a:xfrm>
+            <a:off x="1691680" y="476672"/>
+            <a:ext cx="5760640" cy="830997"/>
+          </a:xfrm>
+          <a:prstGeom prst="rect">
+            <a:avLst/>
+          </a:prstGeom>
+          <a:noFill/>
+        </p:spPr>
+        <p:txBody>
+          <a:bodyPr wrap="square" rtlCol="0">
+            <a:spAutoFit/>
+          </a:bodyPr>
+          <a:lstStyle/>
+          <a:p>
+            <a:r>
+              <a:rPr lang="en-US" dirty="0" smtClean="0"/>
+              <a:t>How </a:t>
+            </a:r>
+            <a:r>
+              <a:rPr lang="en-US" dirty="0"/>
+              <a:t>the choice of </a:t>
+            </a:r>
+            <a:r>
+              <a:rPr lang="en-US" dirty="0" smtClean="0"/>
+              <a:t>epsilon </a:t>
+            </a:r>
+            <a:r>
+              <a:rPr lang="en-US" dirty="0"/>
+              <a:t>is </a:t>
+            </a:r>
+            <a:r>
+              <a:rPr lang="en-US" dirty="0" smtClean="0"/>
+              <a:t>affecting </a:t>
+            </a:r>
+            <a:r>
+              <a:rPr lang="en-US" dirty="0"/>
+              <a:t>the </a:t>
+            </a:r>
+            <a:r>
+              <a:rPr lang="en-US" dirty="0" smtClean="0"/>
+              <a:t>results?</a:t>
+            </a:r>
+            <a:endParaRPr lang="en-US" dirty="0"/>
+          </a:p>
+        </p:txBody>
+      </p:sp>
+    </p:spTree>
+  </p:cSld>
+  <p:clrMapOvr>
+    <a:masterClrMapping/>
+  </p:clrMapOvr>
+  <p:timing>
+    <p:tnLst>
+      <p:par>
+        <p:cTn id="1" dur="indefinite" restart="never" nodeType="tmRoot"/>
+      </p:par>
+    </p:tnLst>
+  </p:timing>
+</p:sld>
+</file>
+
+<file path=ppt/slides/slide20.xml><?xml version="1.0" encoding="utf-8"?>
+<p:sld xmlns:a="http://schemas.openxmlformats.org/drawingml/2006/main" xmlns:r="http://schemas.openxmlformats.org/officeDocument/2006/relationships" xmlns:p="http://schemas.openxmlformats.org/presentationml/2006/main">
+  <p:cSld>
+    <p:spTree>
+      <p:nvGrpSpPr>
+        <p:cNvPr id="1" name=""/>
+        <p:cNvGrpSpPr/>
+        <p:nvPr/>
+      </p:nvGrpSpPr>
+      <p:grpSpPr>
+        <a:xfrm>
+          <a:off x="0" y="0"/>
+          <a:ext cx="0" cy="0"/>
+          <a:chOff x="0" y="0"/>
+          <a:chExt cx="0" cy="0"/>
+        </a:xfrm>
+      </p:grpSpPr>
+      <p:sp>
+        <p:nvSpPr>
+          <p:cNvPr id="6" name="文本框 5"/>
+          <p:cNvSpPr txBox="1"/>
+          <p:nvPr/>
+        </p:nvSpPr>
+        <p:spPr>
+          <a:xfrm>
+            <a:off x="2051720" y="764704"/>
+            <a:ext cx="5112568" cy="461665"/>
+          </a:xfrm>
+          <a:prstGeom prst="rect">
+            <a:avLst/>
+          </a:prstGeom>
+          <a:noFill/>
+        </p:spPr>
+        <p:txBody>
+          <a:bodyPr wrap="square" rtlCol="0">
+            <a:spAutoFit/>
+          </a:bodyPr>
+          <a:lstStyle/>
+          <a:p>
+            <a:r>
+              <a:rPr lang="en-US" dirty="0" smtClean="0"/>
+              <a:t>Solve Max Epsilon LP with 1 outlier</a:t>
+            </a:r>
+            <a:endParaRPr lang="en-US" dirty="0"/>
+          </a:p>
+        </p:txBody>
+      </p:sp>
+      <p:pic>
+        <p:nvPicPr>
+          <p:cNvPr id="2" name="图片 1"/>
+          <p:cNvPicPr>
+            <a:picLocks noChangeAspect="1"/>
+          </p:cNvPicPr>
+          <p:nvPr/>
+        </p:nvPicPr>
+        <p:blipFill>
+          <a:blip r:embed="rId2"/>
+          <a:stretch>
+            <a:fillRect/>
+          </a:stretch>
+        </p:blipFill>
+        <p:spPr>
+          <a:xfrm>
+            <a:off x="1115616" y="1825293"/>
+            <a:ext cx="4900194" cy="2859584"/>
+          </a:xfrm>
+          <a:prstGeom prst="rect">
+            <a:avLst/>
+          </a:prstGeom>
+        </p:spPr>
+      </p:pic>
+      <p:pic>
+        <p:nvPicPr>
+          <p:cNvPr id="5" name="图片 4"/>
+          <p:cNvPicPr>
+            <a:picLocks noChangeAspect="1"/>
+          </p:cNvPicPr>
+          <p:nvPr/>
+        </p:nvPicPr>
+        <p:blipFill>
+          <a:blip r:embed="rId3"/>
+          <a:stretch>
+            <a:fillRect/>
+          </a:stretch>
+        </p:blipFill>
+        <p:spPr>
+          <a:xfrm>
+            <a:off x="5940152" y="2060848"/>
+            <a:ext cx="2962275" cy="2733675"/>
+          </a:xfrm>
+          <a:prstGeom prst="rect">
+            <a:avLst/>
+          </a:prstGeom>
+        </p:spPr>
+      </p:pic>
+    </p:spTree>
+    <p:extLst>
+      <p:ext uri="{BB962C8B-B14F-4D97-AF65-F5344CB8AC3E}">
+        <p14:creationId xmlns:p14="http://schemas.microsoft.com/office/powerpoint/2010/main" val="490996457"/>
+      </p:ext>
+    </p:extLst>
+  </p:cSld>
+  <p:clrMapOvr>
+    <a:masterClrMapping/>
+  </p:clrMapOvr>
+  <p:timing>
+    <p:tnLst>
+      <p:par>
+        <p:cTn id="1" dur="indefinite" restart="never" nodeType="tmRoot"/>
+      </p:par>
+    </p:tnLst>
+  </p:timing>
+</p:sld>
+</file>
+
+<file path=ppt/slides/slide21.xml><?xml version="1.0" encoding="utf-8"?>
+<p:sld xmlns:a="http://schemas.openxmlformats.org/drawingml/2006/main" xmlns:r="http://schemas.openxmlformats.org/officeDocument/2006/relationships" xmlns:p="http://schemas.openxmlformats.org/presentationml/2006/main">
+  <p:cSld>
+    <p:spTree>
+      <p:nvGrpSpPr>
+        <p:cNvPr id="1" name=""/>
+        <p:cNvGrpSpPr/>
+        <p:nvPr/>
+      </p:nvGrpSpPr>
+      <p:grpSpPr>
+        <a:xfrm>
+          <a:off x="0" y="0"/>
+          <a:ext cx="0" cy="0"/>
+          <a:chOff x="0" y="0"/>
+          <a:chExt cx="0" cy="0"/>
+        </a:xfrm>
+      </p:grpSpPr>
+      <p:sp>
+        <p:nvSpPr>
+          <p:cNvPr id="6" name="文本框 5"/>
+          <p:cNvSpPr txBox="1"/>
+          <p:nvPr/>
+        </p:nvSpPr>
+        <p:spPr>
+          <a:xfrm>
+            <a:off x="2051720" y="764704"/>
+            <a:ext cx="5112568" cy="461665"/>
+          </a:xfrm>
+          <a:prstGeom prst="rect">
+            <a:avLst/>
+          </a:prstGeom>
+          <a:noFill/>
+        </p:spPr>
+        <p:txBody>
+          <a:bodyPr wrap="square" rtlCol="0">
+            <a:spAutoFit/>
+          </a:bodyPr>
+          <a:lstStyle/>
+          <a:p>
+            <a:r>
+              <a:rPr lang="en-US" dirty="0" smtClean="0"/>
+              <a:t>Solve Max Epsilon LP with 1 outlier</a:t>
+            </a:r>
+            <a:endParaRPr lang="en-US" dirty="0"/>
+          </a:p>
+        </p:txBody>
+      </p:sp>
+      <p:pic>
+        <p:nvPicPr>
+          <p:cNvPr id="2" name="图片 1"/>
+          <p:cNvPicPr>
+            <a:picLocks noChangeAspect="1"/>
+          </p:cNvPicPr>
+          <p:nvPr/>
+        </p:nvPicPr>
+        <p:blipFill>
+          <a:blip r:embed="rId2"/>
+          <a:stretch>
+            <a:fillRect/>
+          </a:stretch>
+        </p:blipFill>
+        <p:spPr>
+          <a:xfrm>
+            <a:off x="539552" y="1772816"/>
+            <a:ext cx="5619750" cy="3381375"/>
+          </a:xfrm>
+          <a:prstGeom prst="rect">
+            <a:avLst/>
+          </a:prstGeom>
+        </p:spPr>
+      </p:pic>
+      <p:pic>
+        <p:nvPicPr>
+          <p:cNvPr id="5" name="图片 4"/>
+          <p:cNvPicPr>
+            <a:picLocks noChangeAspect="1"/>
+          </p:cNvPicPr>
+          <p:nvPr/>
+        </p:nvPicPr>
+        <p:blipFill>
+          <a:blip r:embed="rId3"/>
+          <a:stretch>
+            <a:fillRect/>
+          </a:stretch>
+        </p:blipFill>
+        <p:spPr>
+          <a:xfrm>
+            <a:off x="5796137" y="2060848"/>
+            <a:ext cx="3096344" cy="2454796"/>
+          </a:xfrm>
+          <a:prstGeom prst="rect">
+            <a:avLst/>
+          </a:prstGeom>
+        </p:spPr>
+      </p:pic>
+    </p:spTree>
+    <p:extLst>
+      <p:ext uri="{BB962C8B-B14F-4D97-AF65-F5344CB8AC3E}">
+        <p14:creationId xmlns:p14="http://schemas.microsoft.com/office/powerpoint/2010/main" val="2354037806"/>
+      </p:ext>
+    </p:extLst>
+  </p:cSld>
+  <p:clrMapOvr>
+    <a:masterClrMapping/>
+  </p:clrMapOvr>
+  <p:timing>
+    <p:tnLst>
+      <p:par>
+        <p:cTn id="1" dur="indefinite" restart="never" nodeType="tmRoot"/>
+      </p:par>
+    </p:tnLst>
+  </p:timing>
+</p:sld>
+</file>
+
+<file path=ppt/slides/slide22.xml><?xml version="1.0" encoding="utf-8"?>
 <p:sld xmlns:a="http://schemas.openxmlformats.org/drawingml/2006/main" xmlns:r="http://schemas.openxmlformats.org/officeDocument/2006/relationships" xmlns:p="http://schemas.openxmlformats.org/presentationml/2006/main">
   <p:cSld>
     <p:spTree>
@@ -10927,7 +11850,7 @@
         <p:nvSpPr>
           <p:cNvPr id="6148" name="Text Box 7"/>
           <p:cNvSpPr txBox="1">
-            <a:spLocks noChangeArrowheads="1"/>
+            <a:spLocks noGrp="1" noChangeArrowheads="1"/>
           </p:cNvSpPr>
           <p:nvPr>
             <p:ph type="subTitle" idx="1"/>
@@ -10982,146 +11905,6 @@
               </a:rPr>
               <a:t>Thank you !</a:t>
             </a:r>
-          </a:p>
-        </p:txBody>
-      </p:sp>
-    </p:spTree>
-  </p:cSld>
-  <p:clrMapOvr>
-    <a:masterClrMapping/>
-  </p:clrMapOvr>
-  <p:timing>
-    <p:tnLst>
-      <p:par>
-        <p:cTn id="1" dur="indefinite" restart="never" nodeType="tmRoot"/>
-      </p:par>
-    </p:tnLst>
-  </p:timing>
-</p:sld>
-</file>
-
-<file path=ppt/slides/slide2.xml><?xml version="1.0" encoding="utf-8"?>
-<p:sld xmlns:a="http://schemas.openxmlformats.org/drawingml/2006/main" xmlns:r="http://schemas.openxmlformats.org/officeDocument/2006/relationships" xmlns:p="http://schemas.openxmlformats.org/presentationml/2006/main">
-  <p:cSld>
-    <p:spTree>
-      <p:nvGrpSpPr>
-        <p:cNvPr id="1" name=""/>
-        <p:cNvGrpSpPr/>
-        <p:nvPr/>
-      </p:nvGrpSpPr>
-      <p:grpSpPr>
-        <a:xfrm>
-          <a:off x="0" y="0"/>
-          <a:ext cx="0" cy="0"/>
-          <a:chOff x="0" y="0"/>
-          <a:chExt cx="0" cy="0"/>
-        </a:xfrm>
-      </p:grpSpPr>
-      <p:pic>
-        <p:nvPicPr>
-          <p:cNvPr id="3074" name="图片 2"/>
-          <p:cNvPicPr>
-            <a:picLocks noChangeAspect="1"/>
-          </p:cNvPicPr>
-          <p:nvPr/>
-        </p:nvPicPr>
-        <p:blipFill>
-          <a:blip r:embed="rId2">
-            <a:extLst>
-              <a:ext uri="{28A0092B-C50C-407E-A947-70E740481C1C}">
-                <a14:useLocalDpi xmlns:a14="http://schemas.microsoft.com/office/drawing/2010/main" val="0"/>
-              </a:ext>
-            </a:extLst>
-          </a:blip>
-          <a:srcRect/>
-          <a:stretch>
-            <a:fillRect/>
-          </a:stretch>
-        </p:blipFill>
-        <p:spPr bwMode="auto">
-          <a:xfrm>
-            <a:off x="962025" y="1352550"/>
-            <a:ext cx="7219950" cy="4152900"/>
-          </a:xfrm>
-          <a:prstGeom prst="rect">
-            <a:avLst/>
-          </a:prstGeom>
-          <a:noFill/>
-          <a:ln>
-            <a:noFill/>
-          </a:ln>
-          <a:extLst>
-            <a:ext uri="{909E8E84-426E-40DD-AFC4-6F175D3DCCD1}">
-              <a14:hiddenFill xmlns:a14="http://schemas.microsoft.com/office/drawing/2010/main">
-                <a:solidFill>
-                  <a:srgbClr val="FFFFFF"/>
-                </a:solidFill>
-              </a14:hiddenFill>
-            </a:ext>
-            <a:ext uri="{91240B29-F687-4F45-9708-019B960494DF}">
-              <a14:hiddenLine xmlns:a14="http://schemas.microsoft.com/office/drawing/2010/main" w="9525">
-                <a:solidFill>
-                  <a:srgbClr val="000000"/>
-                </a:solidFill>
-                <a:miter lim="800000"/>
-                <a:headEnd/>
-                <a:tailEnd/>
-              </a14:hiddenLine>
-            </a:ext>
-          </a:extLst>
-        </p:spPr>
-      </p:pic>
-      <p:sp>
-        <p:nvSpPr>
-          <p:cNvPr id="2" name="文本框 1"/>
-          <p:cNvSpPr txBox="1"/>
-          <p:nvPr/>
-        </p:nvSpPr>
-        <p:spPr>
-          <a:xfrm>
-            <a:off x="1691680" y="476672"/>
-            <a:ext cx="5760640" cy="830997"/>
-          </a:xfrm>
-          <a:prstGeom prst="rect">
-            <a:avLst/>
-          </a:prstGeom>
-          <a:noFill/>
-        </p:spPr>
-        <p:txBody>
-          <a:bodyPr wrap="square" rtlCol="0">
-            <a:spAutoFit/>
-          </a:bodyPr>
-          <a:lstStyle/>
-          <a:p>
-            <a:r>
-              <a:rPr lang="en-US" dirty="0" smtClean="0"/>
-              <a:t>How </a:t>
-            </a:r>
-            <a:r>
-              <a:rPr lang="en-US" dirty="0"/>
-              <a:t>the choice of </a:t>
-            </a:r>
-            <a:r>
-              <a:rPr lang="en-US" dirty="0" smtClean="0"/>
-              <a:t>epsilon </a:t>
-            </a:r>
-            <a:r>
-              <a:rPr lang="en-US" dirty="0"/>
-              <a:t>is </a:t>
-            </a:r>
-            <a:r>
-              <a:rPr lang="en-US" dirty="0" smtClean="0"/>
-              <a:t>affecting </a:t>
-            </a:r>
-            <a:r>
-              <a:rPr lang="en-US" dirty="0"/>
-              <a:t>the </a:t>
-            </a:r>
-            <a:r>
-              <a:rPr lang="en-US" dirty="0" smtClean="0"/>
-              <a:t>results?</a:t>
-            </a:r>
-            <a:endParaRPr lang="en-US" dirty="0"/>
           </a:p>
         </p:txBody>
       </p:sp>
@@ -13299,16 +14082,6 @@
               </a:rPr>
               <a:t>Solve LP</a:t>
             </a:r>
-            <a:endParaRPr kumimoji="0" lang="en-US" sz="1100" b="0" i="0" u="none" strike="noStrike" cap="none" normalizeH="0" baseline="0" dirty="0" smtClean="0">
-              <a:ln>
-                <a:noFill/>
-              </a:ln>
-              <a:solidFill>
-                <a:schemeClr val="tx1"/>
-              </a:solidFill>
-              <a:effectLst/>
-              <a:latin typeface="Times" panose="02020603050405020304" pitchFamily="18" charset="0"/>
-            </a:endParaRPr>
           </a:p>
         </p:txBody>
       </p:sp>
@@ -13388,16 +14161,6 @@
               </a:rPr>
               <a:t>Outliers exist?</a:t>
             </a:r>
-            <a:endParaRPr kumimoji="0" lang="en-US" sz="1100" b="0" i="0" u="none" strike="noStrike" cap="none" normalizeH="0" baseline="0" dirty="0" smtClean="0">
-              <a:ln>
-                <a:noFill/>
-              </a:ln>
-              <a:solidFill>
-                <a:schemeClr val="tx1"/>
-              </a:solidFill>
-              <a:effectLst/>
-              <a:latin typeface="Times" panose="02020603050405020304" pitchFamily="18" charset="0"/>
-            </a:endParaRPr>
           </a:p>
         </p:txBody>
       </p:sp>
@@ -13477,16 +14240,6 @@
               </a:rPr>
               <a:t>Delete Outliers from data</a:t>
             </a:r>
-            <a:endParaRPr kumimoji="0" lang="en-US" sz="1100" b="0" i="0" u="none" strike="noStrike" cap="none" normalizeH="0" baseline="0" dirty="0" smtClean="0">
-              <a:ln>
-                <a:noFill/>
-              </a:ln>
-              <a:solidFill>
-                <a:schemeClr val="tx1"/>
-              </a:solidFill>
-              <a:effectLst/>
-              <a:latin typeface="Times" panose="02020603050405020304" pitchFamily="18" charset="0"/>
-            </a:endParaRPr>
           </a:p>
         </p:txBody>
       </p:sp>
@@ -13566,16 +14319,6 @@
               </a:rPr>
               <a:t>Start</a:t>
             </a:r>
-            <a:endParaRPr kumimoji="0" lang="en-US" sz="1800" b="0" i="0" u="none" strike="noStrike" cap="none" normalizeH="0" baseline="0" dirty="0" smtClean="0">
-              <a:ln>
-                <a:noFill/>
-              </a:ln>
-              <a:solidFill>
-                <a:schemeClr val="tx1"/>
-              </a:solidFill>
-              <a:effectLst/>
-              <a:latin typeface="Times" panose="02020603050405020304" pitchFamily="18" charset="0"/>
-            </a:endParaRPr>
           </a:p>
         </p:txBody>
       </p:sp>
@@ -13988,16 +14731,6 @@
               </a:rPr>
               <a:t>Put a point back to data</a:t>
             </a:r>
-            <a:endParaRPr kumimoji="0" lang="en-US" sz="1100" b="0" i="0" u="none" strike="noStrike" cap="none" normalizeH="0" baseline="0" dirty="0" smtClean="0">
-              <a:ln>
-                <a:noFill/>
-              </a:ln>
-              <a:solidFill>
-                <a:schemeClr val="tx1"/>
-              </a:solidFill>
-              <a:effectLst/>
-              <a:latin typeface="Times" panose="02020603050405020304" pitchFamily="18" charset="0"/>
-            </a:endParaRPr>
           </a:p>
         </p:txBody>
       </p:sp>
@@ -14103,16 +14836,6 @@
               </a:rPr>
               <a:t>outlier?</a:t>
             </a:r>
-            <a:endParaRPr kumimoji="0" lang="en-US" sz="1100" b="0" i="0" u="none" strike="noStrike" cap="none" normalizeH="0" baseline="0" dirty="0" smtClean="0">
-              <a:ln>
-                <a:noFill/>
-              </a:ln>
-              <a:solidFill>
-                <a:schemeClr val="tx1"/>
-              </a:solidFill>
-              <a:effectLst/>
-              <a:latin typeface="Times" panose="02020603050405020304" pitchFamily="18" charset="0"/>
-            </a:endParaRPr>
           </a:p>
         </p:txBody>
       </p:sp>
@@ -14351,16 +15074,6 @@
               </a:rPr>
               <a:t>Delete the point from  data</a:t>
             </a:r>
-            <a:endParaRPr kumimoji="0" lang="en-US" sz="1100" b="0" i="0" u="none" strike="noStrike" cap="none" normalizeH="0" baseline="0" dirty="0" smtClean="0">
-              <a:ln>
-                <a:noFill/>
-              </a:ln>
-              <a:solidFill>
-                <a:schemeClr val="tx1"/>
-              </a:solidFill>
-              <a:effectLst/>
-              <a:latin typeface="Times" panose="02020603050405020304" pitchFamily="18" charset="0"/>
-            </a:endParaRPr>
           </a:p>
         </p:txBody>
       </p:sp>
@@ -14440,16 +15153,6 @@
               </a:rPr>
               <a:t>Resolve LP</a:t>
             </a:r>
-            <a:endParaRPr kumimoji="0" lang="en-US" sz="1100" b="0" i="0" u="none" strike="noStrike" cap="none" normalizeH="0" baseline="0" dirty="0" smtClean="0">
-              <a:ln>
-                <a:noFill/>
-              </a:ln>
-              <a:solidFill>
-                <a:schemeClr val="tx1"/>
-              </a:solidFill>
-              <a:effectLst/>
-              <a:latin typeface="Times" panose="02020603050405020304" pitchFamily="18" charset="0"/>
-            </a:endParaRPr>
           </a:p>
         </p:txBody>
       </p:sp>
@@ -15433,16 +16136,6 @@
               </a:rPr>
               <a:t>Solve LP</a:t>
             </a:r>
-            <a:endParaRPr kumimoji="0" lang="en-US" sz="1100" b="0" i="0" u="none" strike="noStrike" cap="none" normalizeH="0" baseline="0" dirty="0" smtClean="0">
-              <a:ln>
-                <a:noFill/>
-              </a:ln>
-              <a:solidFill>
-                <a:schemeClr val="tx1"/>
-              </a:solidFill>
-              <a:effectLst/>
-              <a:latin typeface="Times" panose="02020603050405020304" pitchFamily="18" charset="0"/>
-            </a:endParaRPr>
           </a:p>
         </p:txBody>
       </p:sp>
@@ -15522,16 +16215,6 @@
               </a:rPr>
               <a:t>Outliers exist?</a:t>
             </a:r>
-            <a:endParaRPr kumimoji="0" lang="en-US" sz="1100" b="0" i="0" u="none" strike="noStrike" cap="none" normalizeH="0" baseline="0" dirty="0" smtClean="0">
-              <a:ln>
-                <a:noFill/>
-              </a:ln>
-              <a:solidFill>
-                <a:schemeClr val="tx1"/>
-              </a:solidFill>
-              <a:effectLst/>
-              <a:latin typeface="Times" panose="02020603050405020304" pitchFamily="18" charset="0"/>
-            </a:endParaRPr>
           </a:p>
         </p:txBody>
       </p:sp>
@@ -15611,16 +16294,6 @@
               </a:rPr>
               <a:t>Delete Outliers from data</a:t>
             </a:r>
-            <a:endParaRPr kumimoji="0" lang="en-US" sz="1100" b="0" i="0" u="none" strike="noStrike" cap="none" normalizeH="0" baseline="0" dirty="0" smtClean="0">
-              <a:ln>
-                <a:noFill/>
-              </a:ln>
-              <a:solidFill>
-                <a:schemeClr val="tx1"/>
-              </a:solidFill>
-              <a:effectLst/>
-              <a:latin typeface="Times" panose="02020603050405020304" pitchFamily="18" charset="0"/>
-            </a:endParaRPr>
           </a:p>
         </p:txBody>
       </p:sp>
@@ -15700,16 +16373,6 @@
               </a:rPr>
               <a:t>Start</a:t>
             </a:r>
-            <a:endParaRPr kumimoji="0" lang="en-US" sz="1800" b="0" i="0" u="none" strike="noStrike" cap="none" normalizeH="0" baseline="0" dirty="0" smtClean="0">
-              <a:ln>
-                <a:noFill/>
-              </a:ln>
-              <a:solidFill>
-                <a:schemeClr val="tx1"/>
-              </a:solidFill>
-              <a:effectLst/>
-              <a:latin typeface="Times" panose="02020603050405020304" pitchFamily="18" charset="0"/>
-            </a:endParaRPr>
           </a:p>
         </p:txBody>
       </p:sp>
@@ -16148,16 +16811,6 @@
               </a:rPr>
               <a:t> back to data</a:t>
             </a:r>
-            <a:endParaRPr kumimoji="0" lang="en-US" sz="1100" b="0" i="0" u="none" strike="noStrike" cap="none" normalizeH="0" baseline="0" dirty="0" smtClean="0">
-              <a:ln>
-                <a:noFill/>
-              </a:ln>
-              <a:solidFill>
-                <a:schemeClr val="tx1"/>
-              </a:solidFill>
-              <a:effectLst/>
-              <a:latin typeface="Times" panose="02020603050405020304" pitchFamily="18" charset="0"/>
-            </a:endParaRPr>
           </a:p>
         </p:txBody>
       </p:sp>
@@ -16237,16 +16890,6 @@
               </a:rPr>
               <a:t>Is it outlier?</a:t>
             </a:r>
-            <a:endParaRPr kumimoji="0" lang="en-US" sz="1100" b="0" i="0" u="none" strike="noStrike" cap="none" normalizeH="0" baseline="0" dirty="0" smtClean="0">
-              <a:ln>
-                <a:noFill/>
-              </a:ln>
-              <a:solidFill>
-                <a:schemeClr val="tx1"/>
-              </a:solidFill>
-              <a:effectLst/>
-              <a:latin typeface="Times" panose="02020603050405020304" pitchFamily="18" charset="0"/>
-            </a:endParaRPr>
           </a:p>
         </p:txBody>
       </p:sp>
@@ -16485,16 +17128,6 @@
               </a:rPr>
               <a:t>Delete the point from  data</a:t>
             </a:r>
-            <a:endParaRPr kumimoji="0" lang="en-US" sz="1100" b="0" i="0" u="none" strike="noStrike" cap="none" normalizeH="0" baseline="0" dirty="0" smtClean="0">
-              <a:ln>
-                <a:noFill/>
-              </a:ln>
-              <a:solidFill>
-                <a:schemeClr val="tx1"/>
-              </a:solidFill>
-              <a:effectLst/>
-              <a:latin typeface="Times" panose="02020603050405020304" pitchFamily="18" charset="0"/>
-            </a:endParaRPr>
           </a:p>
         </p:txBody>
       </p:sp>
@@ -16574,16 +17207,6 @@
               </a:rPr>
               <a:t>Resolve LP</a:t>
             </a:r>
-            <a:endParaRPr kumimoji="0" lang="en-US" sz="1100" b="0" i="0" u="none" strike="noStrike" cap="none" normalizeH="0" baseline="0" dirty="0" smtClean="0">
-              <a:ln>
-                <a:noFill/>
-              </a:ln>
-              <a:solidFill>
-                <a:schemeClr val="tx1"/>
-              </a:solidFill>
-              <a:effectLst/>
-              <a:latin typeface="Times" panose="02020603050405020304" pitchFamily="18" charset="0"/>
-            </a:endParaRPr>
           </a:p>
         </p:txBody>
       </p:sp>

--- a/papers/report 11 25.pptx
+++ b/papers/report 11 25.pptx
@@ -465,11 +465,11 @@
           <c:showBubbleSize val="0"/>
         </c:dLbls>
         <c:gapWidth val="150"/>
-        <c:axId val="-359971088"/>
-        <c:axId val="-359970000"/>
+        <c:axId val="1332496800"/>
+        <c:axId val="1332497888"/>
       </c:barChart>
       <c:catAx>
-        <c:axId val="-359971088"/>
+        <c:axId val="1332496800"/>
         <c:scaling>
           <c:orientation val="minMax"/>
         </c:scaling>
@@ -526,7 +526,7 @@
             <a:endParaRPr lang="en-US"/>
           </a:p>
         </c:txPr>
-        <c:crossAx val="-359970000"/>
+        <c:crossAx val="1332497888"/>
         <c:crosses val="autoZero"/>
         <c:auto val="1"/>
         <c:lblAlgn val="ctr"/>
@@ -534,7 +534,7 @@
         <c:noMultiLvlLbl val="0"/>
       </c:catAx>
       <c:valAx>
-        <c:axId val="-359970000"/>
+        <c:axId val="1332497888"/>
         <c:scaling>
           <c:orientation val="minMax"/>
         </c:scaling>
@@ -591,7 +591,7 @@
             <a:endParaRPr lang="en-US"/>
           </a:p>
         </c:txPr>
-        <c:crossAx val="-359971088"/>
+        <c:crossAx val="1332496800"/>
         <c:crosses val="autoZero"/>
         <c:crossBetween val="between"/>
       </c:valAx>
@@ -921,8 +921,8 @@
         </c:dLbls>
         <c:gapWidth val="219"/>
         <c:overlap val="-27"/>
-        <c:axId val="-359968912"/>
-        <c:axId val="-359968368"/>
+        <c:axId val="1099790880"/>
+        <c:axId val="1099791424"/>
         <c:extLst>
           <c:ext xmlns:c15="http://schemas.microsoft.com/office/drawing/2012/chart" uri="{02D57815-91ED-43cb-92C2-25804820EDAC}">
             <c15:filteredBarSeries>
@@ -1143,7 +1143,7 @@
         </c:extLst>
       </c:barChart>
       <c:catAx>
-        <c:axId val="-359968912"/>
+        <c:axId val="1099790880"/>
         <c:scaling>
           <c:orientation val="minMax"/>
         </c:scaling>
@@ -1186,7 +1186,7 @@
             <a:endParaRPr lang="en-US"/>
           </a:p>
         </c:txPr>
-        <c:crossAx val="-359968368"/>
+        <c:crossAx val="1099791424"/>
         <c:crosses val="autoZero"/>
         <c:auto val="1"/>
         <c:lblAlgn val="ctr"/>
@@ -1194,7 +1194,7 @@
         <c:noMultiLvlLbl val="0"/>
       </c:catAx>
       <c:valAx>
-        <c:axId val="-359968368"/>
+        <c:axId val="1099791424"/>
         <c:scaling>
           <c:orientation val="minMax"/>
         </c:scaling>
@@ -1245,7 +1245,7 @@
             <a:endParaRPr lang="en-US"/>
           </a:p>
         </c:txPr>
-        <c:crossAx val="-359968912"/>
+        <c:crossAx val="1099790880"/>
         <c:crosses val="autoZero"/>
         <c:crossBetween val="between"/>
       </c:valAx>
@@ -1570,11 +1570,11 @@
         </c:dLbls>
         <c:gapWidth val="219"/>
         <c:overlap val="-27"/>
-        <c:axId val="-359964016"/>
-        <c:axId val="-359962928"/>
+        <c:axId val="1099791968"/>
+        <c:axId val="1099792512"/>
       </c:barChart>
       <c:catAx>
-        <c:axId val="-359964016"/>
+        <c:axId val="1099791968"/>
         <c:scaling>
           <c:orientation val="minMax"/>
         </c:scaling>
@@ -1617,7 +1617,7 @@
             <a:endParaRPr lang="en-US"/>
           </a:p>
         </c:txPr>
-        <c:crossAx val="-359962928"/>
+        <c:crossAx val="1099792512"/>
         <c:crosses val="autoZero"/>
         <c:auto val="1"/>
         <c:lblAlgn val="ctr"/>
@@ -1625,7 +1625,7 @@
         <c:noMultiLvlLbl val="0"/>
       </c:catAx>
       <c:valAx>
-        <c:axId val="-359962928"/>
+        <c:axId val="1099792512"/>
         <c:scaling>
           <c:orientation val="minMax"/>
         </c:scaling>
@@ -1676,7 +1676,7 @@
             <a:endParaRPr lang="en-US"/>
           </a:p>
         </c:txPr>
-        <c:crossAx val="-359964016"/>
+        <c:crossAx val="1099791968"/>
         <c:crosses val="autoZero"/>
         <c:crossBetween val="between"/>
       </c:valAx>
@@ -7983,6 +7983,108 @@
           </a:p>
         </p:txBody>
       </p:sp>
+      <p:sp>
+        <p:nvSpPr>
+          <p:cNvPr id="36" name="流程图: 数据 35"/>
+          <p:cNvSpPr/>
+          <p:nvPr/>
+        </p:nvSpPr>
+        <p:spPr bwMode="auto">
+          <a:xfrm>
+            <a:off x="7094618" y="3768561"/>
+            <a:ext cx="1296144" cy="360040"/>
+          </a:xfrm>
+          <a:prstGeom prst="flowChartInputOutput">
+            <a:avLst/>
+          </a:prstGeom>
+          <a:solidFill>
+            <a:schemeClr val="accent1"/>
+          </a:solidFill>
+          <a:ln w="9525" cap="flat" cmpd="sng" algn="ctr">
+            <a:solidFill>
+              <a:schemeClr val="tx1"/>
+            </a:solidFill>
+            <a:prstDash val="solid"/>
+            <a:round/>
+            <a:headEnd type="none" w="med" len="med"/>
+            <a:tailEnd type="none" w="med" len="med"/>
+          </a:ln>
+          <a:effectLst/>
+          <a:extLst>
+            <a:ext uri="{AF507438-7753-43E0-B8FC-AC1667EBCBE1}">
+              <a14:hiddenEffects xmlns:a14="http://schemas.microsoft.com/office/drawing/2010/main">
+                <a:effectLst>
+                  <a:outerShdw dist="35921" dir="2700000" algn="ctr" rotWithShape="0">
+                    <a:schemeClr val="bg2"/>
+                  </a:outerShdw>
+                </a:effectLst>
+              </a14:hiddenEffects>
+            </a:ext>
+          </a:extLst>
+        </p:spPr>
+        <p:txBody>
+          <a:bodyPr vert="horz" wrap="square" lIns="91440" tIns="45720" rIns="91440" bIns="45720" numCol="1" rtlCol="0" anchor="t" anchorCtr="0" compatLnSpc="1">
+            <a:prstTxWarp prst="textNoShape">
+              <a:avLst/>
+            </a:prstTxWarp>
+          </a:bodyPr>
+          <a:lstStyle/>
+          <a:p>
+            <a:pPr marL="0" marR="0" indent="0" algn="ctr" defTabSz="914400" rtl="0" eaLnBrk="0" fontAlgn="base" latinLnBrk="0" hangingPunct="0">
+              <a:lnSpc>
+                <a:spcPct val="100000"/>
+              </a:lnSpc>
+              <a:spcBef>
+                <a:spcPct val="0"/>
+              </a:spcBef>
+              <a:spcAft>
+                <a:spcPct val="0"/>
+              </a:spcAft>
+              <a:buClrTx/>
+              <a:buSzTx/>
+              <a:buFontTx/>
+              <a:buNone/>
+              <a:tabLst/>
+            </a:pPr>
+            <a:r>
+              <a:rPr kumimoji="0" lang="en-US" altLang="zh-CN" sz="1100" b="0" i="0" u="none" strike="noStrike" cap="none" normalizeH="0" baseline="0" dirty="0" smtClean="0">
+                <a:ln>
+                  <a:noFill/>
+                </a:ln>
+                <a:solidFill>
+                  <a:schemeClr val="tx1"/>
+                </a:solidFill>
+                <a:effectLst/>
+                <a:latin typeface="Times" panose="02020603050405020304" pitchFamily="18" charset="0"/>
+              </a:rPr>
+              <a:t>Output </a:t>
+            </a:r>
+            <a:r>
+              <a:rPr kumimoji="0" lang="en-US" altLang="zh-CN" sz="1100" b="0" i="0" u="none" strike="noStrike" cap="none" normalizeH="0" baseline="0" dirty="0" smtClean="0">
+                <a:ln>
+                  <a:noFill/>
+                </a:ln>
+                <a:solidFill>
+                  <a:schemeClr val="tx1"/>
+                </a:solidFill>
+                <a:effectLst/>
+                <a:latin typeface="Times" panose="02020603050405020304" pitchFamily="18" charset="0"/>
+              </a:rPr>
+              <a:t>Data</a:t>
+            </a:r>
+            <a:endParaRPr kumimoji="0" lang="en-US" sz="1100" b="0" i="0" u="none" strike="noStrike" cap="none" normalizeH="0" baseline="0" dirty="0" smtClean="0">
+              <a:ln>
+                <a:noFill/>
+              </a:ln>
+              <a:solidFill>
+                <a:schemeClr val="tx1"/>
+              </a:solidFill>
+              <a:effectLst/>
+              <a:latin typeface="Times" panose="02020603050405020304" pitchFamily="18" charset="0"/>
+            </a:endParaRPr>
+          </a:p>
+        </p:txBody>
+      </p:sp>
     </p:spTree>
     <p:extLst>
       <p:ext uri="{BB962C8B-B14F-4D97-AF65-F5344CB8AC3E}">
@@ -10038,6 +10140,108 @@
               <a:t>Ri</a:t>
             </a:r>
             <a:endParaRPr lang="en-US" dirty="0"/>
+          </a:p>
+        </p:txBody>
+      </p:sp>
+      <p:sp>
+        <p:nvSpPr>
+          <p:cNvPr id="36" name="流程图: 数据 35"/>
+          <p:cNvSpPr/>
+          <p:nvPr/>
+        </p:nvSpPr>
+        <p:spPr bwMode="auto">
+          <a:xfrm>
+            <a:off x="7094618" y="3768561"/>
+            <a:ext cx="1296144" cy="360040"/>
+          </a:xfrm>
+          <a:prstGeom prst="flowChartInputOutput">
+            <a:avLst/>
+          </a:prstGeom>
+          <a:solidFill>
+            <a:schemeClr val="accent1"/>
+          </a:solidFill>
+          <a:ln w="9525" cap="flat" cmpd="sng" algn="ctr">
+            <a:solidFill>
+              <a:schemeClr val="tx1"/>
+            </a:solidFill>
+            <a:prstDash val="solid"/>
+            <a:round/>
+            <a:headEnd type="none" w="med" len="med"/>
+            <a:tailEnd type="none" w="med" len="med"/>
+          </a:ln>
+          <a:effectLst/>
+          <a:extLst>
+            <a:ext uri="{AF507438-7753-43E0-B8FC-AC1667EBCBE1}">
+              <a14:hiddenEffects xmlns:a14="http://schemas.microsoft.com/office/drawing/2010/main">
+                <a:effectLst>
+                  <a:outerShdw dist="35921" dir="2700000" algn="ctr" rotWithShape="0">
+                    <a:schemeClr val="bg2"/>
+                  </a:outerShdw>
+                </a:effectLst>
+              </a14:hiddenEffects>
+            </a:ext>
+          </a:extLst>
+        </p:spPr>
+        <p:txBody>
+          <a:bodyPr vert="horz" wrap="square" lIns="91440" tIns="45720" rIns="91440" bIns="45720" numCol="1" rtlCol="0" anchor="t" anchorCtr="0" compatLnSpc="1">
+            <a:prstTxWarp prst="textNoShape">
+              <a:avLst/>
+            </a:prstTxWarp>
+          </a:bodyPr>
+          <a:lstStyle/>
+          <a:p>
+            <a:pPr marL="0" marR="0" indent="0" algn="ctr" defTabSz="914400" rtl="0" eaLnBrk="0" fontAlgn="base" latinLnBrk="0" hangingPunct="0">
+              <a:lnSpc>
+                <a:spcPct val="100000"/>
+              </a:lnSpc>
+              <a:spcBef>
+                <a:spcPct val="0"/>
+              </a:spcBef>
+              <a:spcAft>
+                <a:spcPct val="0"/>
+              </a:spcAft>
+              <a:buClrTx/>
+              <a:buSzTx/>
+              <a:buFontTx/>
+              <a:buNone/>
+              <a:tabLst/>
+            </a:pPr>
+            <a:r>
+              <a:rPr kumimoji="0" lang="en-US" altLang="zh-CN" sz="1100" b="0" i="0" u="none" strike="noStrike" cap="none" normalizeH="0" baseline="0" dirty="0" smtClean="0">
+                <a:ln>
+                  <a:noFill/>
+                </a:ln>
+                <a:solidFill>
+                  <a:schemeClr val="tx1"/>
+                </a:solidFill>
+                <a:effectLst/>
+                <a:latin typeface="Times" panose="02020603050405020304" pitchFamily="18" charset="0"/>
+              </a:rPr>
+              <a:t>Output </a:t>
+            </a:r>
+            <a:r>
+              <a:rPr kumimoji="0" lang="en-US" altLang="zh-CN" sz="1100" b="0" i="0" u="none" strike="noStrike" cap="none" normalizeH="0" baseline="0" dirty="0" smtClean="0">
+                <a:ln>
+                  <a:noFill/>
+                </a:ln>
+                <a:solidFill>
+                  <a:schemeClr val="tx1"/>
+                </a:solidFill>
+                <a:effectLst/>
+                <a:latin typeface="Times" panose="02020603050405020304" pitchFamily="18" charset="0"/>
+              </a:rPr>
+              <a:t>Data</a:t>
+            </a:r>
+            <a:endParaRPr kumimoji="0" lang="en-US" sz="1100" b="0" i="0" u="none" strike="noStrike" cap="none" normalizeH="0" baseline="0" dirty="0" smtClean="0">
+              <a:ln>
+                <a:noFill/>
+              </a:ln>
+              <a:solidFill>
+                <a:schemeClr val="tx1"/>
+              </a:solidFill>
+              <a:effectLst/>
+              <a:latin typeface="Times" panose="02020603050405020304" pitchFamily="18" charset="0"/>
+            </a:endParaRPr>
           </a:p>
         </p:txBody>
       </p:sp>
